--- a/presentation/ABitOfCharity_Presentation.pptx
+++ b/presentation/ABitOfCharity_Presentation.pptx
@@ -204,7 +204,7 @@
           <a:p>
             <a:fld id="{526B2B58-DA01-6A46-AEEB-590602B5B3C6}" type="datetimeFigureOut">
               <a:rPr lang="en-US" smtClean="0"/>
-              <a:t>2/14/2019</a:t>
+              <a:t>2/15/19</a:t>
             </a:fld>
             <a:endParaRPr lang="en-US"/>
           </a:p>
@@ -877,7 +877,7 @@
           <a:p>
             <a:fld id="{FCBA04B9-6172-EE45-B9D0-CCADF948711F}" type="datetimeFigureOut">
               <a:rPr lang="en-US" smtClean="0"/>
-              <a:t>2/14/2019</a:t>
+              <a:t>2/15/19</a:t>
             </a:fld>
             <a:endParaRPr lang="en-US"/>
           </a:p>
@@ -1045,7 +1045,7 @@
           <a:p>
             <a:fld id="{FCBA04B9-6172-EE45-B9D0-CCADF948711F}" type="datetimeFigureOut">
               <a:rPr lang="en-US" smtClean="0"/>
-              <a:t>2/14/2019</a:t>
+              <a:t>2/15/19</a:t>
             </a:fld>
             <a:endParaRPr lang="en-US"/>
           </a:p>
@@ -1223,7 +1223,7 @@
           <a:p>
             <a:fld id="{FCBA04B9-6172-EE45-B9D0-CCADF948711F}" type="datetimeFigureOut">
               <a:rPr lang="en-US" smtClean="0"/>
-              <a:t>2/14/2019</a:t>
+              <a:t>2/15/19</a:t>
             </a:fld>
             <a:endParaRPr lang="en-US"/>
           </a:p>
@@ -1391,7 +1391,7 @@
           <a:p>
             <a:fld id="{FCBA04B9-6172-EE45-B9D0-CCADF948711F}" type="datetimeFigureOut">
               <a:rPr lang="en-US" smtClean="0"/>
-              <a:t>2/14/2019</a:t>
+              <a:t>2/15/19</a:t>
             </a:fld>
             <a:endParaRPr lang="en-US"/>
           </a:p>
@@ -1636,7 +1636,7 @@
           <a:p>
             <a:fld id="{FCBA04B9-6172-EE45-B9D0-CCADF948711F}" type="datetimeFigureOut">
               <a:rPr lang="en-US" smtClean="0"/>
-              <a:t>2/14/2019</a:t>
+              <a:t>2/15/19</a:t>
             </a:fld>
             <a:endParaRPr lang="en-US"/>
           </a:p>
@@ -1865,7 +1865,7 @@
           <a:p>
             <a:fld id="{FCBA04B9-6172-EE45-B9D0-CCADF948711F}" type="datetimeFigureOut">
               <a:rPr lang="en-US" smtClean="0"/>
-              <a:t>2/14/2019</a:t>
+              <a:t>2/15/19</a:t>
             </a:fld>
             <a:endParaRPr lang="en-US"/>
           </a:p>
@@ -2229,7 +2229,7 @@
           <a:p>
             <a:fld id="{FCBA04B9-6172-EE45-B9D0-CCADF948711F}" type="datetimeFigureOut">
               <a:rPr lang="en-US" smtClean="0"/>
-              <a:t>2/14/2019</a:t>
+              <a:t>2/15/19</a:t>
             </a:fld>
             <a:endParaRPr lang="en-US"/>
           </a:p>
@@ -2346,7 +2346,7 @@
           <a:p>
             <a:fld id="{FCBA04B9-6172-EE45-B9D0-CCADF948711F}" type="datetimeFigureOut">
               <a:rPr lang="en-US" smtClean="0"/>
-              <a:t>2/14/2019</a:t>
+              <a:t>2/15/19</a:t>
             </a:fld>
             <a:endParaRPr lang="en-US"/>
           </a:p>
@@ -2441,7 +2441,7 @@
           <a:p>
             <a:fld id="{FCBA04B9-6172-EE45-B9D0-CCADF948711F}" type="datetimeFigureOut">
               <a:rPr lang="en-US" smtClean="0"/>
-              <a:t>2/14/2019</a:t>
+              <a:t>2/15/19</a:t>
             </a:fld>
             <a:endParaRPr lang="en-US"/>
           </a:p>
@@ -2716,7 +2716,7 @@
           <a:p>
             <a:fld id="{FCBA04B9-6172-EE45-B9D0-CCADF948711F}" type="datetimeFigureOut">
               <a:rPr lang="en-US" smtClean="0"/>
-              <a:t>2/14/2019</a:t>
+              <a:t>2/15/19</a:t>
             </a:fld>
             <a:endParaRPr lang="en-US"/>
           </a:p>
@@ -2968,7 +2968,7 @@
           <a:p>
             <a:fld id="{FCBA04B9-6172-EE45-B9D0-CCADF948711F}" type="datetimeFigureOut">
               <a:rPr lang="en-US" smtClean="0"/>
-              <a:t>2/14/2019</a:t>
+              <a:t>2/15/19</a:t>
             </a:fld>
             <a:endParaRPr lang="en-US"/>
           </a:p>
@@ -3179,7 +3179,7 @@
           <a:p>
             <a:fld id="{FCBA04B9-6172-EE45-B9D0-CCADF948711F}" type="datetimeFigureOut">
               <a:rPr lang="en-US" smtClean="0"/>
-              <a:t>2/14/2019</a:t>
+              <a:t>2/15/19</a:t>
             </a:fld>
             <a:endParaRPr lang="en-US"/>
           </a:p>
@@ -6717,7 +6717,7 @@
                 <a:rPr lang="en-US" sz="1400" dirty="0">
                   <a:ea typeface="Adobe Fan Heiti Std B" panose="020B0700000000000000" pitchFamily="34" charset="-128"/>
                 </a:rPr>
-                <a:t>Sustainability classes for kids</a:t>
+                <a:t>Sustainable classes for kids</a:t>
               </a:r>
             </a:p>
           </p:txBody>
@@ -6754,7 +6754,7 @@
                 <a:rPr lang="en-US" sz="1400" dirty="0">
                   <a:ea typeface="Adobe Fan Heiti Std B" panose="020B0700000000000000" pitchFamily="34" charset="-128"/>
                 </a:rPr>
-                <a:t>Sustainability trips organized by WWF</a:t>
+                <a:t>Sustainable trips organized by WWF</a:t>
               </a:r>
             </a:p>
           </p:txBody>
@@ -7002,7 +7002,7 @@
               <a:rPr lang="en-US" sz="1400" dirty="0">
                 <a:ea typeface="Adobe Fan Heiti Std B" panose="020B0700000000000000" pitchFamily="34" charset="-128"/>
               </a:rPr>
-              <a:t>Verifies/manages the list of NGO´s and charities</a:t>
+              <a:t>Verifies/manages the list of NGO’s and charities</a:t>
             </a:r>
           </a:p>
           <a:p>
@@ -7080,6 +7080,84 @@
               <a:ea typeface="Arial" charset="0"/>
               <a:cs typeface="Arial" charset="0"/>
             </a:endParaRPr>
+          </a:p>
+        </p:txBody>
+      </p:sp>
+      <p:sp>
+        <p:nvSpPr>
+          <p:cNvPr id="45" name="TextBox 44">
+            <a:extLst>
+              <a:ext uri="{FF2B5EF4-FFF2-40B4-BE49-F238E27FC236}">
+                <a16:creationId xmlns:a16="http://schemas.microsoft.com/office/drawing/2014/main" id="{6D6BD8EF-8D8E-9D4E-A963-0681E0BB99C0}"/>
+              </a:ext>
+            </a:extLst>
+          </p:cNvPr>
+          <p:cNvSpPr txBox="1"/>
+          <p:nvPr/>
+        </p:nvSpPr>
+        <p:spPr>
+          <a:xfrm>
+            <a:off x="6882923" y="2483839"/>
+            <a:ext cx="2344684" cy="1169551"/>
+          </a:xfrm>
+          <a:prstGeom prst="rect">
+            <a:avLst/>
+          </a:prstGeom>
+          <a:noFill/>
+          <a:ln w="28575">
+            <a:solidFill>
+              <a:schemeClr val="tx1"/>
+            </a:solidFill>
+          </a:ln>
+        </p:spPr>
+        <p:txBody>
+          <a:bodyPr wrap="square" rtlCol="0">
+            <a:spAutoFit/>
+          </a:bodyPr>
+          <a:lstStyle/>
+          <a:p>
+            <a:r>
+              <a:rPr lang="en-US" sz="1400" b="1" dirty="0">
+                <a:ea typeface="Adobe Gothic Std B" panose="020B0800000000000000" pitchFamily="34" charset="-128"/>
+              </a:rPr>
+              <a:t>     Smart contract</a:t>
+            </a:r>
+          </a:p>
+          <a:p>
+            <a:pPr marL="171450" indent="-171450">
+              <a:buFont typeface="Arial" panose="020B0604020202020204" pitchFamily="34" charset="0"/>
+              <a:buChar char="•"/>
+            </a:pPr>
+            <a:r>
+              <a:rPr lang="en-US" sz="1400" dirty="0">
+                <a:ea typeface="Adobe Fan Heiti Std B" panose="020B0700000000000000" pitchFamily="34" charset="-128"/>
+              </a:rPr>
+              <a:t>Transparent, reliable and secure transactions</a:t>
+            </a:r>
+          </a:p>
+          <a:p>
+            <a:pPr marL="171450" indent="-171450">
+              <a:buFont typeface="Arial" panose="020B0604020202020204" pitchFamily="34" charset="0"/>
+              <a:buChar char="•"/>
+            </a:pPr>
+            <a:r>
+              <a:rPr lang="en-US" sz="1400" dirty="0">
+                <a:ea typeface="Adobe Fan Heiti Std B" panose="020B0700000000000000" pitchFamily="34" charset="-128"/>
+              </a:rPr>
+              <a:t>Trust</a:t>
+            </a:r>
+          </a:p>
+          <a:p>
+            <a:pPr marL="171450" indent="-171450">
+              <a:buFont typeface="Arial" panose="020B0604020202020204" pitchFamily="34" charset="0"/>
+              <a:buChar char="•"/>
+            </a:pPr>
+            <a:r>
+              <a:rPr lang="en-US" sz="1400" dirty="0">
+                <a:ea typeface="Adobe Fan Heiti Std B" panose="020B0700000000000000" pitchFamily="34" charset="-128"/>
+              </a:rPr>
+              <a:t>Privacy protection</a:t>
+            </a:r>
           </a:p>
         </p:txBody>
       </p:sp>
@@ -7114,7 +7192,7 @@
                             </p:stCondLst>
                             <p:childTnLst>
                               <p:par>
-                                <p:cTn id="5" presetID="1" presetClass="entr" presetSubtype="0" fill="hold" nodeType="clickEffect">
+                                <p:cTn id="5" presetID="1" presetClass="entr" presetSubtype="0" fill="hold" grpId="0" nodeType="clickEffect">
                                   <p:stCondLst>
                                     <p:cond delay="0"/>
                                   </p:stCondLst>
@@ -7127,7 +7205,7 @@
                                           </p:stCondLst>
                                         </p:cTn>
                                         <p:tgtEl>
-                                          <p:spTgt spid="8"/>
+                                          <p:spTgt spid="45"/>
                                         </p:tgtEl>
                                         <p:attrNameLst>
                                           <p:attrName>style.visibility</p:attrName>
@@ -7172,6 +7250,51 @@
                                           </p:stCondLst>
                                         </p:cTn>
                                         <p:tgtEl>
+                                          <p:spTgt spid="8"/>
+                                        </p:tgtEl>
+                                        <p:attrNameLst>
+                                          <p:attrName>style.visibility</p:attrName>
+                                        </p:attrNameLst>
+                                      </p:cBhvr>
+                                      <p:to>
+                                        <p:strVal val="visible"/>
+                                      </p:to>
+                                    </p:set>
+                                  </p:childTnLst>
+                                </p:cTn>
+                              </p:par>
+                            </p:childTnLst>
+                          </p:cTn>
+                        </p:par>
+                      </p:childTnLst>
+                    </p:cTn>
+                  </p:par>
+                  <p:par>
+                    <p:cTn id="11" fill="hold">
+                      <p:stCondLst>
+                        <p:cond delay="indefinite"/>
+                      </p:stCondLst>
+                      <p:childTnLst>
+                        <p:par>
+                          <p:cTn id="12" fill="hold">
+                            <p:stCondLst>
+                              <p:cond delay="0"/>
+                            </p:stCondLst>
+                            <p:childTnLst>
+                              <p:par>
+                                <p:cTn id="13" presetID="1" presetClass="entr" presetSubtype="0" fill="hold" nodeType="clickEffect">
+                                  <p:stCondLst>
+                                    <p:cond delay="0"/>
+                                  </p:stCondLst>
+                                  <p:childTnLst>
+                                    <p:set>
+                                      <p:cBhvr>
+                                        <p:cTn id="14" dur="1" fill="hold">
+                                          <p:stCondLst>
+                                            <p:cond delay="0"/>
+                                          </p:stCondLst>
+                                        </p:cTn>
+                                        <p:tgtEl>
                                           <p:spTgt spid="7"/>
                                         </p:tgtEl>
                                         <p:attrNameLst>
@@ -7186,14 +7309,14 @@
                                 </p:cTn>
                               </p:par>
                               <p:par>
-                                <p:cTn id="11" presetID="1" presetClass="entr" presetSubtype="0" fill="hold" grpId="0" nodeType="withEffect">
+                                <p:cTn id="15" presetID="1" presetClass="entr" presetSubtype="0" fill="hold" grpId="0" nodeType="withEffect">
                                   <p:stCondLst>
                                     <p:cond delay="0"/>
                                   </p:stCondLst>
                                   <p:childTnLst>
                                     <p:set>
                                       <p:cBhvr>
-                                        <p:cTn id="12" dur="1" fill="hold">
+                                        <p:cTn id="16" dur="1" fill="hold">
                                           <p:stCondLst>
                                             <p:cond delay="0"/>
                                           </p:stCondLst>
@@ -7213,14 +7336,14 @@
                                 </p:cTn>
                               </p:par>
                               <p:par>
-                                <p:cTn id="13" presetID="1" presetClass="entr" presetSubtype="0" fill="hold" nodeType="withEffect">
+                                <p:cTn id="17" presetID="1" presetClass="entr" presetSubtype="0" fill="hold" nodeType="withEffect">
                                   <p:stCondLst>
                                     <p:cond delay="0"/>
                                   </p:stCondLst>
                                   <p:childTnLst>
                                     <p:set>
                                       <p:cBhvr>
-                                        <p:cTn id="14" dur="1" fill="hold">
+                                        <p:cTn id="18" dur="1" fill="hold">
                                           <p:stCondLst>
                                             <p:cond delay="0"/>
                                           </p:stCondLst>
@@ -7240,14 +7363,14 @@
                                 </p:cTn>
                               </p:par>
                               <p:par>
-                                <p:cTn id="15" presetID="1" presetClass="entr" presetSubtype="0" fill="hold" nodeType="withEffect">
+                                <p:cTn id="19" presetID="1" presetClass="entr" presetSubtype="0" fill="hold" nodeType="withEffect">
                                   <p:stCondLst>
                                     <p:cond delay="0"/>
                                   </p:stCondLst>
                                   <p:childTnLst>
                                     <p:set>
                                       <p:cBhvr>
-                                        <p:cTn id="16" dur="1" fill="hold">
+                                        <p:cTn id="20" dur="1" fill="hold">
                                           <p:stCondLst>
                                             <p:cond delay="0"/>
                                           </p:stCondLst>
@@ -7267,14 +7390,14 @@
                                 </p:cTn>
                               </p:par>
                               <p:par>
-                                <p:cTn id="17" presetID="1" presetClass="entr" presetSubtype="0" fill="hold" grpId="0" nodeType="withEffect">
+                                <p:cTn id="21" presetID="1" presetClass="entr" presetSubtype="0" fill="hold" grpId="0" nodeType="withEffect">
                                   <p:stCondLst>
                                     <p:cond delay="0"/>
                                   </p:stCondLst>
                                   <p:childTnLst>
                                     <p:set>
                                       <p:cBhvr>
-                                        <p:cTn id="18" dur="1" fill="hold">
+                                        <p:cTn id="22" dur="1" fill="hold">
                                           <p:stCondLst>
                                             <p:cond delay="0"/>
                                           </p:stCondLst>
@@ -7323,6 +7446,7 @@
     <p:bldLst>
       <p:bldP spid="150" grpId="0" animBg="1"/>
       <p:bldP spid="39" grpId="0" animBg="1"/>
+      <p:bldP spid="45" grpId="0" animBg="1"/>
     </p:bldLst>
   </p:timing>
 </p:sld>
@@ -7960,7 +8084,7 @@
                 <a:ea typeface="Arial" charset="0"/>
                 <a:cs typeface="Arial" charset="0"/>
               </a:rPr>
-              <a:t>Central platform to donate to multiple charities / NGO`s and manage rewards (tax deduction, tokens).</a:t>
+              <a:t>Central platform to donate to multiple charities / NGO’s and manage rewards (tax deduction, tokens).</a:t>
             </a:r>
           </a:p>
           <a:p>
@@ -7994,18 +8118,11 @@
           </a:p>
           <a:p>
             <a:r>
-              <a:rPr lang="en-US" b="1">
-                <a:ea typeface="Arial" charset="0"/>
-                <a:cs typeface="Arial" charset="0"/>
-              </a:rPr>
-              <a:t>Questions which remain </a:t>
-            </a:r>
-            <a:r>
               <a:rPr lang="en-US" b="1" dirty="0">
                 <a:ea typeface="Arial" charset="0"/>
                 <a:cs typeface="Arial" charset="0"/>
               </a:rPr>
-              <a:t>to be solved:</a:t>
+              <a:t>Questions which remain to be solved:</a:t>
             </a:r>
           </a:p>
           <a:p>
